--- a/docs/diagrams/UndoRedoNewCommand2StateListDiagram.pptx
+++ b/docs/diagrams/UndoRedoNewCommand2StateListDiagram.pptx
@@ -265,7 +265,7 @@
           <a:p>
             <a:fld id="{03EC4E3E-8101-482F-A883-8B55DAFF7C07}" type="datetimeFigureOut">
               <a:rPr lang="en-SG" smtClean="0"/>
-              <a:t>30/6/2018</a:t>
+              <a:t>6/7/2018</a:t>
             </a:fld>
             <a:endParaRPr lang="en-SG"/>
           </a:p>
@@ -465,7 +465,7 @@
           <a:p>
             <a:fld id="{03EC4E3E-8101-482F-A883-8B55DAFF7C07}" type="datetimeFigureOut">
               <a:rPr lang="en-SG" smtClean="0"/>
-              <a:t>30/6/2018</a:t>
+              <a:t>6/7/2018</a:t>
             </a:fld>
             <a:endParaRPr lang="en-SG"/>
           </a:p>
@@ -675,7 +675,7 @@
           <a:p>
             <a:fld id="{03EC4E3E-8101-482F-A883-8B55DAFF7C07}" type="datetimeFigureOut">
               <a:rPr lang="en-SG" smtClean="0"/>
-              <a:t>30/6/2018</a:t>
+              <a:t>6/7/2018</a:t>
             </a:fld>
             <a:endParaRPr lang="en-SG"/>
           </a:p>
@@ -875,7 +875,7 @@
           <a:p>
             <a:fld id="{03EC4E3E-8101-482F-A883-8B55DAFF7C07}" type="datetimeFigureOut">
               <a:rPr lang="en-SG" smtClean="0"/>
-              <a:t>30/6/2018</a:t>
+              <a:t>6/7/2018</a:t>
             </a:fld>
             <a:endParaRPr lang="en-SG"/>
           </a:p>
@@ -1151,7 +1151,7 @@
           <a:p>
             <a:fld id="{03EC4E3E-8101-482F-A883-8B55DAFF7C07}" type="datetimeFigureOut">
               <a:rPr lang="en-SG" smtClean="0"/>
-              <a:t>30/6/2018</a:t>
+              <a:t>6/7/2018</a:t>
             </a:fld>
             <a:endParaRPr lang="en-SG"/>
           </a:p>
@@ -1419,7 +1419,7 @@
           <a:p>
             <a:fld id="{03EC4E3E-8101-482F-A883-8B55DAFF7C07}" type="datetimeFigureOut">
               <a:rPr lang="en-SG" smtClean="0"/>
-              <a:t>30/6/2018</a:t>
+              <a:t>6/7/2018</a:t>
             </a:fld>
             <a:endParaRPr lang="en-SG"/>
           </a:p>
@@ -1834,7 +1834,7 @@
           <a:p>
             <a:fld id="{03EC4E3E-8101-482F-A883-8B55DAFF7C07}" type="datetimeFigureOut">
               <a:rPr lang="en-SG" smtClean="0"/>
-              <a:t>30/6/2018</a:t>
+              <a:t>6/7/2018</a:t>
             </a:fld>
             <a:endParaRPr lang="en-SG"/>
           </a:p>
@@ -1976,7 +1976,7 @@
           <a:p>
             <a:fld id="{03EC4E3E-8101-482F-A883-8B55DAFF7C07}" type="datetimeFigureOut">
               <a:rPr lang="en-SG" smtClean="0"/>
-              <a:t>30/6/2018</a:t>
+              <a:t>6/7/2018</a:t>
             </a:fld>
             <a:endParaRPr lang="en-SG"/>
           </a:p>
@@ -2089,7 +2089,7 @@
           <a:p>
             <a:fld id="{03EC4E3E-8101-482F-A883-8B55DAFF7C07}" type="datetimeFigureOut">
               <a:rPr lang="en-SG" smtClean="0"/>
-              <a:t>30/6/2018</a:t>
+              <a:t>6/7/2018</a:t>
             </a:fld>
             <a:endParaRPr lang="en-SG"/>
           </a:p>
@@ -2402,7 +2402,7 @@
           <a:p>
             <a:fld id="{03EC4E3E-8101-482F-A883-8B55DAFF7C07}" type="datetimeFigureOut">
               <a:rPr lang="en-SG" smtClean="0"/>
-              <a:t>30/6/2018</a:t>
+              <a:t>6/7/2018</a:t>
             </a:fld>
             <a:endParaRPr lang="en-SG"/>
           </a:p>
@@ -2691,7 +2691,7 @@
           <a:p>
             <a:fld id="{03EC4E3E-8101-482F-A883-8B55DAFF7C07}" type="datetimeFigureOut">
               <a:rPr lang="en-SG" smtClean="0"/>
-              <a:t>30/6/2018</a:t>
+              <a:t>6/7/2018</a:t>
             </a:fld>
             <a:endParaRPr lang="en-SG"/>
           </a:p>
@@ -2934,7 +2934,7 @@
           <a:p>
             <a:fld id="{03EC4E3E-8101-482F-A883-8B55DAFF7C07}" type="datetimeFigureOut">
               <a:rPr lang="en-SG" smtClean="0"/>
-              <a:t>30/6/2018</a:t>
+              <a:t>6/7/2018</a:t>
             </a:fld>
             <a:endParaRPr lang="en-SG"/>
           </a:p>
@@ -3388,7 +3388,7 @@
           <a:p>
             <a:pPr algn="ctr"/>
             <a:r>
-              <a:rPr lang="en-SG" dirty="0" smtClean="0"/>
+              <a:rPr lang="en-SG" dirty="0"/>
               <a:t>Add n/David… </a:t>
             </a:r>
             <a:endParaRPr lang="en-US" dirty="0"/>
@@ -3425,20 +3425,17 @@
           <a:p>
             <a:pPr algn="ctr"/>
             <a:r>
-              <a:rPr lang="en-SG" dirty="0" err="1" smtClean="0">
+              <a:rPr lang="en-SG" dirty="0" err="1">
                 <a:latin typeface="Consolas" panose="020B0609020204030204" pitchFamily="49" charset="0"/>
               </a:rPr>
               <a:t>currentStatePointer</a:t>
             </a:r>
             <a:r>
-              <a:rPr lang="en-SG" dirty="0" smtClean="0">
+              <a:rPr lang="en-SG" dirty="0">
                 <a:latin typeface="Consolas" panose="020B0609020204030204" pitchFamily="49" charset="0"/>
               </a:rPr>
               <a:t> = 1</a:t>
             </a:r>
-            <a:endParaRPr lang="en-SG" dirty="0">
-              <a:latin typeface="Consolas" panose="020B0609020204030204" pitchFamily="49" charset="0"/>
-            </a:endParaRPr>
           </a:p>
         </p:txBody>
       </p:sp>
@@ -3488,11 +3485,11 @@
                     <a:lstStyle/>
                     <a:p>
                       <a:r>
-                        <a:rPr lang="en-SG" u="sng" dirty="0" smtClean="0"/>
+                        <a:rPr lang="en-SG" u="sng" dirty="0"/>
                         <a:t>ab0:A</a:t>
                       </a:r>
                       <a:r>
-                        <a:rPr lang="en-SG" sz="1800" u="sng" dirty="0" smtClean="0"/>
+                        <a:rPr lang="en-SG" sz="1800" u="sng" dirty="0"/>
                         <a:t>ddressBook</a:t>
                       </a:r>
                       <a:endParaRPr lang="en-SG" sz="1600" u="sng" dirty="0"/>
@@ -3510,46 +3507,6 @@
           </a:graphicData>
         </a:graphic>
       </p:graphicFrame>
-      <p:sp>
-        <p:nvSpPr>
-          <p:cNvPr id="27" name="Up Arrow 26"/>
-          <p:cNvSpPr/>
-          <p:nvPr/>
-        </p:nvSpPr>
-        <p:spPr>
-          <a:xfrm>
-            <a:off x="3309483" y="2002972"/>
-            <a:ext cx="234009" cy="804421"/>
-          </a:xfrm>
-          <a:prstGeom prst="upArrow">
-            <a:avLst/>
-          </a:prstGeom>
-        </p:spPr>
-        <p:style>
-          <a:lnRef idx="2">
-            <a:schemeClr val="accent1">
-              <a:shade val="50000"/>
-            </a:schemeClr>
-          </a:lnRef>
-          <a:fillRef idx="1">
-            <a:schemeClr val="accent1"/>
-          </a:fillRef>
-          <a:effectRef idx="0">
-            <a:schemeClr val="accent1"/>
-          </a:effectRef>
-          <a:fontRef idx="minor">
-            <a:schemeClr val="lt1"/>
-          </a:fontRef>
-        </p:style>
-        <p:txBody>
-          <a:bodyPr rtlCol="0" anchor="ctr"/>
-          <a:lstStyle/>
-          <a:p>
-            <a:pPr algn="ctr"/>
-            <a:endParaRPr lang="en-US"/>
-          </a:p>
-        </p:txBody>
-      </p:sp>
       <p:sp>
         <p:nvSpPr>
           <p:cNvPr id="29" name="Rectangle 28"/>
@@ -3610,7 +3567,7 @@
         </p:nvSpPr>
         <p:spPr>
           <a:xfrm>
-            <a:off x="4065489" y="5245580"/>
+            <a:off x="3894137" y="5123174"/>
             <a:ext cx="3207000" cy="369332"/>
           </a:xfrm>
           <a:prstGeom prst="rect">
@@ -3626,60 +3583,17 @@
           <a:p>
             <a:pPr algn="ctr"/>
             <a:r>
-              <a:rPr lang="en-SG" dirty="0" err="1" smtClean="0">
+              <a:rPr lang="en-SG" dirty="0" err="1">
                 <a:latin typeface="Consolas" panose="020B0609020204030204" pitchFamily="49" charset="0"/>
               </a:rPr>
               <a:t>currentStatePointer</a:t>
             </a:r>
             <a:r>
-              <a:rPr lang="en-SG" dirty="0" smtClean="0">
+              <a:rPr lang="en-SG" dirty="0">
                 <a:latin typeface="Consolas" panose="020B0609020204030204" pitchFamily="49" charset="0"/>
               </a:rPr>
               <a:t> = 2</a:t>
             </a:r>
-            <a:endParaRPr lang="en-SG" dirty="0">
-              <a:latin typeface="Consolas" panose="020B0609020204030204" pitchFamily="49" charset="0"/>
-            </a:endParaRPr>
-          </a:p>
-        </p:txBody>
-      </p:sp>
-      <p:sp>
-        <p:nvSpPr>
-          <p:cNvPr id="32" name="Up Arrow 31"/>
-          <p:cNvSpPr/>
-          <p:nvPr/>
-        </p:nvSpPr>
-        <p:spPr>
-          <a:xfrm>
-            <a:off x="5407958" y="4432491"/>
-            <a:ext cx="261031" cy="798758"/>
-          </a:xfrm>
-          <a:prstGeom prst="upArrow">
-            <a:avLst/>
-          </a:prstGeom>
-        </p:spPr>
-        <p:style>
-          <a:lnRef idx="2">
-            <a:schemeClr val="accent1">
-              <a:shade val="50000"/>
-            </a:schemeClr>
-          </a:lnRef>
-          <a:fillRef idx="1">
-            <a:schemeClr val="accent1"/>
-          </a:fillRef>
-          <a:effectRef idx="0">
-            <a:schemeClr val="accent1"/>
-          </a:effectRef>
-          <a:fontRef idx="minor">
-            <a:schemeClr val="lt1"/>
-          </a:fontRef>
-        </p:style>
-        <p:txBody>
-          <a:bodyPr rtlCol="0" anchor="ctr"/>
-          <a:lstStyle/>
-          <a:p>
-            <a:pPr algn="ctr"/>
-            <a:endParaRPr lang="en-US"/>
           </a:p>
         </p:txBody>
       </p:sp>
@@ -3775,11 +3689,11 @@
                     <a:lstStyle/>
                     <a:p>
                       <a:r>
-                        <a:rPr lang="en-SG" u="sng" dirty="0" smtClean="0"/>
+                        <a:rPr lang="en-SG" u="sng" dirty="0"/>
                         <a:t>ab1:A</a:t>
                       </a:r>
                       <a:r>
-                        <a:rPr lang="en-SG" sz="1800" u="sng" dirty="0" smtClean="0"/>
+                        <a:rPr lang="en-SG" sz="1800" u="sng" dirty="0"/>
                         <a:t>ddressBook</a:t>
                       </a:r>
                       <a:endParaRPr lang="en-SG" sz="1600" u="sng" dirty="0"/>
@@ -3843,11 +3757,11 @@
                     <a:lstStyle/>
                     <a:p>
                       <a:r>
-                        <a:rPr lang="en-SG" u="sng" smtClean="0"/>
+                        <a:rPr lang="en-SG" u="sng"/>
                         <a:t>ab2:A</a:t>
                       </a:r>
                       <a:r>
-                        <a:rPr lang="en-SG" sz="1800" u="sng" smtClean="0"/>
+                        <a:rPr lang="en-SG" sz="1800" u="sng"/>
                         <a:t>ddressBook</a:t>
                       </a:r>
                       <a:endParaRPr lang="en-SG" sz="1600" u="sng" dirty="0"/>
@@ -3911,11 +3825,11 @@
                     <a:lstStyle/>
                     <a:p>
                       <a:r>
-                        <a:rPr lang="en-SG" u="sng" dirty="0" smtClean="0"/>
+                        <a:rPr lang="en-SG" u="sng" dirty="0"/>
                         <a:t>ab1:A</a:t>
                       </a:r>
                       <a:r>
-                        <a:rPr lang="en-SG" sz="1800" u="sng" dirty="0" smtClean="0"/>
+                        <a:rPr lang="en-SG" sz="1800" u="sng" dirty="0"/>
                         <a:t>ddressBook</a:t>
                       </a:r>
                       <a:endParaRPr lang="en-SG" sz="1600" u="sng" dirty="0"/>
@@ -3979,11 +3893,11 @@
                     <a:lstStyle/>
                     <a:p>
                       <a:r>
-                        <a:rPr lang="en-SG" u="sng" dirty="0" smtClean="0"/>
+                        <a:rPr lang="en-SG" u="sng" dirty="0"/>
                         <a:t>ab0:A</a:t>
                       </a:r>
                       <a:r>
-                        <a:rPr lang="en-SG" sz="1800" u="sng" dirty="0" smtClean="0"/>
+                        <a:rPr lang="en-SG" sz="1800" u="sng" dirty="0"/>
                         <a:t>ddressBook</a:t>
                       </a:r>
                       <a:endParaRPr lang="en-SG" sz="1600" u="sng" dirty="0"/>
@@ -4001,6 +3915,94 @@
           </a:graphicData>
         </a:graphic>
       </p:graphicFrame>
+      <p:cxnSp>
+        <p:nvCxnSpPr>
+          <p:cNvPr id="14" name="Straight Arrow Connector 13">
+            <a:extLst>
+              <a:ext uri="{FF2B5EF4-FFF2-40B4-BE49-F238E27FC236}">
+                <a16:creationId xmlns:a16="http://schemas.microsoft.com/office/drawing/2014/main" id="{DE6F144C-EC66-46E7-97DC-BB839A1578F5}"/>
+              </a:ext>
+            </a:extLst>
+          </p:cNvPr>
+          <p:cNvCxnSpPr>
+            <a:cxnSpLocks/>
+          </p:cNvCxnSpPr>
+          <p:nvPr/>
+        </p:nvCxnSpPr>
+        <p:spPr>
+          <a:xfrm flipV="1">
+            <a:off x="3380763" y="2019157"/>
+            <a:ext cx="0" cy="706873"/>
+          </a:xfrm>
+          <a:prstGeom prst="straightConnector1">
+            <a:avLst/>
+          </a:prstGeom>
+          <a:ln>
+            <a:solidFill>
+              <a:srgbClr val="C00000"/>
+            </a:solidFill>
+            <a:tailEnd type="triangle"/>
+          </a:ln>
+        </p:spPr>
+        <p:style>
+          <a:lnRef idx="1">
+            <a:schemeClr val="accent1"/>
+          </a:lnRef>
+          <a:fillRef idx="0">
+            <a:schemeClr val="accent1"/>
+          </a:fillRef>
+          <a:effectRef idx="0">
+            <a:schemeClr val="accent1"/>
+          </a:effectRef>
+          <a:fontRef idx="minor">
+            <a:schemeClr val="tx1"/>
+          </a:fontRef>
+        </p:style>
+      </p:cxnSp>
+      <p:cxnSp>
+        <p:nvCxnSpPr>
+          <p:cNvPr id="19" name="Straight Arrow Connector 18">
+            <a:extLst>
+              <a:ext uri="{FF2B5EF4-FFF2-40B4-BE49-F238E27FC236}">
+                <a16:creationId xmlns:a16="http://schemas.microsoft.com/office/drawing/2014/main" id="{8B2AD13C-14D7-4ED9-AAC9-B4BBD707577B}"/>
+              </a:ext>
+            </a:extLst>
+          </p:cNvPr>
+          <p:cNvCxnSpPr>
+            <a:cxnSpLocks/>
+          </p:cNvCxnSpPr>
+          <p:nvPr/>
+        </p:nvCxnSpPr>
+        <p:spPr>
+          <a:xfrm flipV="1">
+            <a:off x="5497637" y="4432492"/>
+            <a:ext cx="0" cy="706873"/>
+          </a:xfrm>
+          <a:prstGeom prst="straightConnector1">
+            <a:avLst/>
+          </a:prstGeom>
+          <a:ln>
+            <a:solidFill>
+              <a:srgbClr val="C00000"/>
+            </a:solidFill>
+            <a:tailEnd type="triangle"/>
+          </a:ln>
+        </p:spPr>
+        <p:style>
+          <a:lnRef idx="1">
+            <a:schemeClr val="accent1"/>
+          </a:lnRef>
+          <a:fillRef idx="0">
+            <a:schemeClr val="accent1"/>
+          </a:fillRef>
+          <a:effectRef idx="0">
+            <a:schemeClr val="accent1"/>
+          </a:effectRef>
+          <a:fontRef idx="minor">
+            <a:schemeClr val="tx1"/>
+          </a:fontRef>
+        </p:style>
+      </p:cxnSp>
     </p:spTree>
     <p:extLst>
       <p:ext uri="{BB962C8B-B14F-4D97-AF65-F5344CB8AC3E}">

--- a/docs/diagrams/UndoRedoNewCommand2StateListDiagram.pptx
+++ b/docs/diagrams/UndoRedoNewCommand2StateListDiagram.pptx
@@ -265,7 +265,7 @@
           <a:p>
             <a:fld id="{03EC4E3E-8101-482F-A883-8B55DAFF7C07}" type="datetimeFigureOut">
               <a:rPr lang="en-SG" smtClean="0"/>
-              <a:t>22/4/2018</a:t>
+              <a:t>30/6/2018</a:t>
             </a:fld>
             <a:endParaRPr lang="en-SG"/>
           </a:p>
@@ -465,7 +465,7 @@
           <a:p>
             <a:fld id="{03EC4E3E-8101-482F-A883-8B55DAFF7C07}" type="datetimeFigureOut">
               <a:rPr lang="en-SG" smtClean="0"/>
-              <a:t>22/4/2018</a:t>
+              <a:t>30/6/2018</a:t>
             </a:fld>
             <a:endParaRPr lang="en-SG"/>
           </a:p>
@@ -675,7 +675,7 @@
           <a:p>
             <a:fld id="{03EC4E3E-8101-482F-A883-8B55DAFF7C07}" type="datetimeFigureOut">
               <a:rPr lang="en-SG" smtClean="0"/>
-              <a:t>22/4/2018</a:t>
+              <a:t>30/6/2018</a:t>
             </a:fld>
             <a:endParaRPr lang="en-SG"/>
           </a:p>
@@ -875,7 +875,7 @@
           <a:p>
             <a:fld id="{03EC4E3E-8101-482F-A883-8B55DAFF7C07}" type="datetimeFigureOut">
               <a:rPr lang="en-SG" smtClean="0"/>
-              <a:t>22/4/2018</a:t>
+              <a:t>30/6/2018</a:t>
             </a:fld>
             <a:endParaRPr lang="en-SG"/>
           </a:p>
@@ -1151,7 +1151,7 @@
           <a:p>
             <a:fld id="{03EC4E3E-8101-482F-A883-8B55DAFF7C07}" type="datetimeFigureOut">
               <a:rPr lang="en-SG" smtClean="0"/>
-              <a:t>22/4/2018</a:t>
+              <a:t>30/6/2018</a:t>
             </a:fld>
             <a:endParaRPr lang="en-SG"/>
           </a:p>
@@ -1419,7 +1419,7 @@
           <a:p>
             <a:fld id="{03EC4E3E-8101-482F-A883-8B55DAFF7C07}" type="datetimeFigureOut">
               <a:rPr lang="en-SG" smtClean="0"/>
-              <a:t>22/4/2018</a:t>
+              <a:t>30/6/2018</a:t>
             </a:fld>
             <a:endParaRPr lang="en-SG"/>
           </a:p>
@@ -1834,7 +1834,7 @@
           <a:p>
             <a:fld id="{03EC4E3E-8101-482F-A883-8B55DAFF7C07}" type="datetimeFigureOut">
               <a:rPr lang="en-SG" smtClean="0"/>
-              <a:t>22/4/2018</a:t>
+              <a:t>30/6/2018</a:t>
             </a:fld>
             <a:endParaRPr lang="en-SG"/>
           </a:p>
@@ -1976,7 +1976,7 @@
           <a:p>
             <a:fld id="{03EC4E3E-8101-482F-A883-8B55DAFF7C07}" type="datetimeFigureOut">
               <a:rPr lang="en-SG" smtClean="0"/>
-              <a:t>22/4/2018</a:t>
+              <a:t>30/6/2018</a:t>
             </a:fld>
             <a:endParaRPr lang="en-SG"/>
           </a:p>
@@ -2089,7 +2089,7 @@
           <a:p>
             <a:fld id="{03EC4E3E-8101-482F-A883-8B55DAFF7C07}" type="datetimeFigureOut">
               <a:rPr lang="en-SG" smtClean="0"/>
-              <a:t>22/4/2018</a:t>
+              <a:t>30/6/2018</a:t>
             </a:fld>
             <a:endParaRPr lang="en-SG"/>
           </a:p>
@@ -2402,7 +2402,7 @@
           <a:p>
             <a:fld id="{03EC4E3E-8101-482F-A883-8B55DAFF7C07}" type="datetimeFigureOut">
               <a:rPr lang="en-SG" smtClean="0"/>
-              <a:t>22/4/2018</a:t>
+              <a:t>30/6/2018</a:t>
             </a:fld>
             <a:endParaRPr lang="en-SG"/>
           </a:p>
@@ -2691,7 +2691,7 @@
           <a:p>
             <a:fld id="{03EC4E3E-8101-482F-A883-8B55DAFF7C07}" type="datetimeFigureOut">
               <a:rPr lang="en-SG" smtClean="0"/>
-              <a:t>22/4/2018</a:t>
+              <a:t>30/6/2018</a:t>
             </a:fld>
             <a:endParaRPr lang="en-SG"/>
           </a:p>
@@ -2934,7 +2934,7 @@
           <a:p>
             <a:fld id="{03EC4E3E-8101-482F-A883-8B55DAFF7C07}" type="datetimeFigureOut">
               <a:rPr lang="en-SG" smtClean="0"/>
-              <a:t>22/4/2018</a:t>
+              <a:t>30/6/2018</a:t>
             </a:fld>
             <a:endParaRPr lang="en-SG"/>
           </a:p>
@@ -3359,8 +3359,8 @@
         </p:nvSpPr>
         <p:spPr>
           <a:xfrm>
-            <a:off x="5194316" y="2149099"/>
-            <a:ext cx="1330472" cy="1562676"/>
+            <a:off x="5129284" y="2264095"/>
+            <a:ext cx="1933431" cy="1383977"/>
           </a:xfrm>
           <a:prstGeom prst="downArrow">
             <a:avLst/>
@@ -3389,7 +3389,7 @@
             <a:pPr algn="ctr"/>
             <a:r>
               <a:rPr lang="en-SG" dirty="0" smtClean="0"/>
-              <a:t>list</a:t>
+              <a:t>Add n/David… </a:t>
             </a:r>
             <a:endParaRPr lang="en-US" dirty="0"/>
           </a:p>
@@ -3397,7 +3397,7 @@
       </p:sp>
       <p:sp>
         <p:nvSpPr>
-          <p:cNvPr id="16" name="TextBox 15">
+          <p:cNvPr id="24" name="TextBox 23">
             <a:extLst>
               <a:ext uri="{FF2B5EF4-FFF2-40B4-BE49-F238E27FC236}">
                 <a16:creationId xmlns:a16="http://schemas.microsoft.com/office/drawing/2014/main" id="{3151A13B-9509-43FA-BFEB-1D9866A00B84}"/>
@@ -3409,7 +3409,7 @@
         </p:nvSpPr>
         <p:spPr>
           <a:xfrm>
-            <a:off x="1844917" y="2745771"/>
+            <a:off x="1836612" y="2726030"/>
             <a:ext cx="3207000" cy="369332"/>
           </a:xfrm>
           <a:prstGeom prst="rect">
@@ -3434,13 +3434,7 @@
               <a:rPr lang="en-SG" dirty="0" smtClean="0">
                 <a:latin typeface="Consolas" panose="020B0609020204030204" pitchFamily="49" charset="0"/>
               </a:rPr>
-              <a:t> = </a:t>
-            </a:r>
-            <a:r>
-              <a:rPr lang="en-SG" dirty="0" smtClean="0">
-                <a:latin typeface="Consolas" panose="020B0609020204030204" pitchFamily="49" charset="0"/>
-              </a:rPr>
-              <a:t>1</a:t>
+              <a:t> = 1</a:t>
             </a:r>
             <a:endParaRPr lang="en-SG" dirty="0">
               <a:latin typeface="Consolas" panose="020B0609020204030204" pitchFamily="49" charset="0"/>
@@ -3450,7 +3444,7 @@
       </p:sp>
       <p:graphicFrame>
         <p:nvGraphicFramePr>
-          <p:cNvPr id="17" name="Table 16">
+          <p:cNvPr id="25" name="Table 24">
             <a:extLst>
               <a:ext uri="{FF2B5EF4-FFF2-40B4-BE49-F238E27FC236}">
                 <a16:creationId xmlns:a16="http://schemas.microsoft.com/office/drawing/2014/main" id="{F545FAB8-F1CE-4886-9BDE-E772BCB0A9C4}"/>
@@ -3463,14 +3457,14 @@
           <p:nvPr>
             <p:extLst>
               <p:ext uri="{D42A27DB-BD31-4B8C-83A1-F6EECF244321}">
-                <p14:modId xmlns:p14="http://schemas.microsoft.com/office/powerpoint/2010/main" val="2206470930"/>
+                <p14:modId xmlns:p14="http://schemas.microsoft.com/office/powerpoint/2010/main" val="3571951523"/>
               </p:ext>
             </p:extLst>
           </p:nvPr>
         </p:nvGraphicFramePr>
         <p:xfrm>
           <a:off x="473240" y="1476102"/>
-          <a:ext cx="1789739" cy="417888"/>
+          <a:ext cx="1825824" cy="417888"/>
         </p:xfrm>
         <a:graphic>
           <a:graphicData uri="http://schemas.openxmlformats.org/drawingml/2006/table">
@@ -3479,7 +3473,7 @@
                 <a:tableStyleId>{638B1855-1B75-4FBE-930C-398BA8C253C6}</a:tableStyleId>
               </a:tblPr>
               <a:tblGrid>
-                <a:gridCol w="1789739">
+                <a:gridCol w="1825824">
                   <a:extLst>
                     <a:ext uri="{9D8B030D-6E8A-4147-A177-3AD203B41FA5}">
                       <a16:colId xmlns:a16="http://schemas.microsoft.com/office/drawing/2014/main" val="4240773277"/>
@@ -3495,13 +3489,13 @@
                     <a:p>
                       <a:r>
                         <a:rPr lang="en-SG" u="sng" dirty="0" smtClean="0"/>
-                        <a:t>:</a:t>
+                        <a:t>ab0:A</a:t>
                       </a:r>
                       <a:r>
-                        <a:rPr lang="en-SG" sz="2000" u="sng" dirty="0" smtClean="0"/>
-                        <a:t>AddressBook0</a:t>
+                        <a:rPr lang="en-SG" sz="1800" u="sng" dirty="0" smtClean="0"/>
+                        <a:t>ddressBook</a:t>
                       </a:r>
-                      <a:endParaRPr lang="en-SG" u="sng" dirty="0"/>
+                      <a:endParaRPr lang="en-SG" sz="1600" u="sng" dirty="0"/>
                     </a:p>
                   </a:txBody>
                   <a:tcPr/>
@@ -3516,79 +3510,15 @@
           </a:graphicData>
         </a:graphic>
       </p:graphicFrame>
-      <p:graphicFrame>
-        <p:nvGraphicFramePr>
-          <p:cNvPr id="18" name="Table 17">
-            <a:extLst>
-              <a:ext uri="{FF2B5EF4-FFF2-40B4-BE49-F238E27FC236}">
-                <a16:creationId xmlns:a16="http://schemas.microsoft.com/office/drawing/2014/main" id="{F545FAB8-F1CE-4886-9BDE-E772BCB0A9C4}"/>
-              </a:ext>
-            </a:extLst>
-          </p:cNvPr>
-          <p:cNvGraphicFramePr>
-            <a:graphicFrameLocks noGrp="1"/>
-          </p:cNvGraphicFramePr>
-          <p:nvPr>
-            <p:extLst>
-              <p:ext uri="{D42A27DB-BD31-4B8C-83A1-F6EECF244321}">
-                <p14:modId xmlns:p14="http://schemas.microsoft.com/office/powerpoint/2010/main" val="2800061585"/>
-              </p:ext>
-            </p:extLst>
-          </p:nvPr>
-        </p:nvGraphicFramePr>
-        <p:xfrm>
-          <a:off x="2563168" y="3931005"/>
-          <a:ext cx="1753888" cy="409055"/>
-        </p:xfrm>
-        <a:graphic>
-          <a:graphicData uri="http://schemas.openxmlformats.org/drawingml/2006/table">
-            <a:tbl>
-              <a:tblPr>
-                <a:tableStyleId>{638B1855-1B75-4FBE-930C-398BA8C253C6}</a:tableStyleId>
-              </a:tblPr>
-              <a:tblGrid>
-                <a:gridCol w="1753888">
-                  <a:extLst>
-                    <a:ext uri="{9D8B030D-6E8A-4147-A177-3AD203B41FA5}">
-                      <a16:colId xmlns:a16="http://schemas.microsoft.com/office/drawing/2014/main" val="4240773277"/>
-                    </a:ext>
-                  </a:extLst>
-                </a:gridCol>
-              </a:tblGrid>
-              <a:tr h="409055">
-                <a:tc>
-                  <a:txBody>
-                    <a:bodyPr/>
-                    <a:lstStyle/>
-                    <a:p>
-                      <a:r>
-                        <a:rPr lang="en-SG" sz="2000" u="sng" dirty="0" smtClean="0"/>
-                        <a:t>:AddressBook1</a:t>
-                      </a:r>
-                      <a:endParaRPr lang="en-SG" sz="2000" u="sng" dirty="0"/>
-                    </a:p>
-                  </a:txBody>
-                  <a:tcPr/>
-                </a:tc>
-                <a:extLst>
-                  <a:ext uri="{0D108BD9-81ED-4DB2-BD59-A6C34878D82A}">
-                    <a16:rowId xmlns:a16="http://schemas.microsoft.com/office/drawing/2014/main" val="2194462629"/>
-                  </a:ext>
-                </a:extLst>
-              </a:tr>
-            </a:tbl>
-          </a:graphicData>
-        </a:graphic>
-      </p:graphicFrame>
-      <p:sp>
-        <p:nvSpPr>
-          <p:cNvPr id="19" name="Up Arrow 18"/>
+      <p:sp>
+        <p:nvSpPr>
+          <p:cNvPr id="27" name="Up Arrow 26"/>
           <p:cNvSpPr/>
           <p:nvPr/>
         </p:nvSpPr>
         <p:spPr>
           <a:xfrm>
-            <a:off x="3317788" y="2022713"/>
+            <a:off x="3309483" y="2002972"/>
             <a:ext cx="234009" cy="804421"/>
           </a:xfrm>
           <a:prstGeom prst="upArrow">
@@ -3622,7 +3552,7 @@
       </p:sp>
       <p:sp>
         <p:nvSpPr>
-          <p:cNvPr id="20" name="Rectangle 19"/>
+          <p:cNvPr id="29" name="Rectangle 28"/>
           <p:cNvSpPr/>
           <p:nvPr/>
         </p:nvSpPr>
@@ -3668,7 +3598,7 @@
       </p:sp>
       <p:sp>
         <p:nvSpPr>
-          <p:cNvPr id="21" name="TextBox 20">
+          <p:cNvPr id="30" name="TextBox 29">
             <a:extLst>
               <a:ext uri="{FF2B5EF4-FFF2-40B4-BE49-F238E27FC236}">
                 <a16:creationId xmlns:a16="http://schemas.microsoft.com/office/drawing/2014/main" id="{3151A13B-9509-43FA-BFEB-1D9866A00B84}"/>
@@ -3680,7 +3610,7 @@
         </p:nvSpPr>
         <p:spPr>
           <a:xfrm>
-            <a:off x="1844803" y="5245580"/>
+            <a:off x="4065489" y="5245580"/>
             <a:ext cx="3207000" cy="369332"/>
           </a:xfrm>
           <a:prstGeom prst="rect">
@@ -3705,13 +3635,7 @@
               <a:rPr lang="en-SG" dirty="0" smtClean="0">
                 <a:latin typeface="Consolas" panose="020B0609020204030204" pitchFamily="49" charset="0"/>
               </a:rPr>
-              <a:t> = </a:t>
-            </a:r>
-            <a:r>
-              <a:rPr lang="en-SG" dirty="0">
-                <a:latin typeface="Consolas" panose="020B0609020204030204" pitchFamily="49" charset="0"/>
-              </a:rPr>
-              <a:t>1</a:t>
+              <a:t> = 2</a:t>
             </a:r>
             <a:endParaRPr lang="en-SG" dirty="0">
               <a:latin typeface="Consolas" panose="020B0609020204030204" pitchFamily="49" charset="0"/>
@@ -3719,79 +3643,15 @@
           </a:p>
         </p:txBody>
       </p:sp>
-      <p:graphicFrame>
-        <p:nvGraphicFramePr>
-          <p:cNvPr id="22" name="Table 21">
-            <a:extLst>
-              <a:ext uri="{FF2B5EF4-FFF2-40B4-BE49-F238E27FC236}">
-                <a16:creationId xmlns:a16="http://schemas.microsoft.com/office/drawing/2014/main" id="{F545FAB8-F1CE-4886-9BDE-E772BCB0A9C4}"/>
-              </a:ext>
-            </a:extLst>
-          </p:cNvPr>
-          <p:cNvGraphicFramePr>
-            <a:graphicFrameLocks noGrp="1"/>
-          </p:cNvGraphicFramePr>
-          <p:nvPr>
-            <p:extLst>
-              <p:ext uri="{D42A27DB-BD31-4B8C-83A1-F6EECF244321}">
-                <p14:modId xmlns:p14="http://schemas.microsoft.com/office/powerpoint/2010/main" val="915407926"/>
-              </p:ext>
-            </p:extLst>
-          </p:nvPr>
-        </p:nvGraphicFramePr>
-        <p:xfrm>
-          <a:off x="473240" y="3931005"/>
-          <a:ext cx="1825824" cy="409055"/>
-        </p:xfrm>
-        <a:graphic>
-          <a:graphicData uri="http://schemas.openxmlformats.org/drawingml/2006/table">
-            <a:tbl>
-              <a:tblPr>
-                <a:tableStyleId>{638B1855-1B75-4FBE-930C-398BA8C253C6}</a:tableStyleId>
-              </a:tblPr>
-              <a:tblGrid>
-                <a:gridCol w="1825824">
-                  <a:extLst>
-                    <a:ext uri="{9D8B030D-6E8A-4147-A177-3AD203B41FA5}">
-                      <a16:colId xmlns:a16="http://schemas.microsoft.com/office/drawing/2014/main" val="4240773277"/>
-                    </a:ext>
-                  </a:extLst>
-                </a:gridCol>
-              </a:tblGrid>
-              <a:tr h="409055">
-                <a:tc>
-                  <a:txBody>
-                    <a:bodyPr/>
-                    <a:lstStyle/>
-                    <a:p>
-                      <a:r>
-                        <a:rPr lang="en-SG" sz="2000" u="sng" dirty="0" smtClean="0"/>
-                        <a:t>:AddressBook0</a:t>
-                      </a:r>
-                      <a:endParaRPr lang="en-SG" sz="2000" u="sng" dirty="0"/>
-                    </a:p>
-                  </a:txBody>
-                  <a:tcPr/>
-                </a:tc>
-                <a:extLst>
-                  <a:ext uri="{0D108BD9-81ED-4DB2-BD59-A6C34878D82A}">
-                    <a16:rowId xmlns:a16="http://schemas.microsoft.com/office/drawing/2014/main" val="2194462629"/>
-                  </a:ext>
-                </a:extLst>
-              </a:tr>
-            </a:tbl>
-          </a:graphicData>
-        </a:graphic>
-      </p:graphicFrame>
-      <p:sp>
-        <p:nvSpPr>
-          <p:cNvPr id="23" name="Up Arrow 22"/>
+      <p:sp>
+        <p:nvSpPr>
+          <p:cNvPr id="32" name="Up Arrow 31"/>
           <p:cNvSpPr/>
           <p:nvPr/>
         </p:nvSpPr>
         <p:spPr>
           <a:xfrm>
-            <a:off x="3187272" y="4432491"/>
+            <a:off x="5407958" y="4432491"/>
             <a:ext cx="261031" cy="798758"/>
           </a:xfrm>
           <a:prstGeom prst="upArrow">
@@ -3825,7 +3685,7 @@
       </p:sp>
       <p:sp>
         <p:nvSpPr>
-          <p:cNvPr id="24" name="Rectangle 23"/>
+          <p:cNvPr id="33" name="Rectangle 32"/>
           <p:cNvSpPr/>
           <p:nvPr/>
         </p:nvSpPr>
@@ -3871,7 +3731,7 @@
       </p:sp>
       <p:graphicFrame>
         <p:nvGraphicFramePr>
-          <p:cNvPr id="25" name="Table 24">
+          <p:cNvPr id="15" name="Table 14">
             <a:extLst>
               <a:ext uri="{FF2B5EF4-FFF2-40B4-BE49-F238E27FC236}">
                 <a16:creationId xmlns:a16="http://schemas.microsoft.com/office/drawing/2014/main" id="{F545FAB8-F1CE-4886-9BDE-E772BCB0A9C4}"/>
@@ -3884,14 +3744,14 @@
           <p:nvPr>
             <p:extLst>
               <p:ext uri="{D42A27DB-BD31-4B8C-83A1-F6EECF244321}">
-                <p14:modId xmlns:p14="http://schemas.microsoft.com/office/powerpoint/2010/main" val="289120680"/>
+                <p14:modId xmlns:p14="http://schemas.microsoft.com/office/powerpoint/2010/main" val="2341913009"/>
               </p:ext>
             </p:extLst>
           </p:nvPr>
         </p:nvGraphicFramePr>
         <p:xfrm>
-          <a:off x="2563054" y="1484935"/>
-          <a:ext cx="1753888" cy="409055"/>
+          <a:off x="2491232" y="1476102"/>
+          <a:ext cx="1825824" cy="417888"/>
         </p:xfrm>
         <a:graphic>
           <a:graphicData uri="http://schemas.openxmlformats.org/drawingml/2006/table">
@@ -3900,7 +3760,7 @@
                 <a:tableStyleId>{638B1855-1B75-4FBE-930C-398BA8C253C6}</a:tableStyleId>
               </a:tblPr>
               <a:tblGrid>
-                <a:gridCol w="1753888">
+                <a:gridCol w="1825824">
                   <a:extLst>
                     <a:ext uri="{9D8B030D-6E8A-4147-A177-3AD203B41FA5}">
                       <a16:colId xmlns:a16="http://schemas.microsoft.com/office/drawing/2014/main" val="4240773277"/>
@@ -3908,17 +3768,21 @@
                   </a:extLst>
                 </a:gridCol>
               </a:tblGrid>
-              <a:tr h="409055">
+              <a:tr h="417888">
                 <a:tc>
                   <a:txBody>
                     <a:bodyPr/>
                     <a:lstStyle/>
                     <a:p>
                       <a:r>
-                        <a:rPr lang="en-SG" sz="2000" u="sng" dirty="0" smtClean="0"/>
-                        <a:t>:AddressBook1</a:t>
+                        <a:rPr lang="en-SG" u="sng" dirty="0" smtClean="0"/>
+                        <a:t>ab1:A</a:t>
                       </a:r>
-                      <a:endParaRPr lang="en-SG" sz="2000" u="sng" dirty="0"/>
+                      <a:r>
+                        <a:rPr lang="en-SG" sz="1800" u="sng" dirty="0" smtClean="0"/>
+                        <a:t>ddressBook</a:t>
+                      </a:r>
+                      <a:endParaRPr lang="en-SG" sz="1600" u="sng" dirty="0"/>
                     </a:p>
                   </a:txBody>
                   <a:tcPr/>
@@ -3935,7 +3799,7 @@
       </p:graphicFrame>
       <p:graphicFrame>
         <p:nvGraphicFramePr>
-          <p:cNvPr id="26" name="Table 25">
+          <p:cNvPr id="16" name="Table 15">
             <a:extLst>
               <a:ext uri="{FF2B5EF4-FFF2-40B4-BE49-F238E27FC236}">
                 <a16:creationId xmlns:a16="http://schemas.microsoft.com/office/drawing/2014/main" id="{F545FAB8-F1CE-4886-9BDE-E772BCB0A9C4}"/>
@@ -3948,14 +3812,14 @@
           <p:nvPr>
             <p:extLst>
               <p:ext uri="{D42A27DB-BD31-4B8C-83A1-F6EECF244321}">
-                <p14:modId xmlns:p14="http://schemas.microsoft.com/office/powerpoint/2010/main" val="1490306832"/>
+                <p14:modId xmlns:p14="http://schemas.microsoft.com/office/powerpoint/2010/main" val="2172716932"/>
               </p:ext>
             </p:extLst>
           </p:nvPr>
         </p:nvGraphicFramePr>
         <p:xfrm>
-          <a:off x="4581160" y="3931005"/>
-          <a:ext cx="1753888" cy="409055"/>
+          <a:off x="4509224" y="3926589"/>
+          <a:ext cx="1825824" cy="417888"/>
         </p:xfrm>
         <a:graphic>
           <a:graphicData uri="http://schemas.openxmlformats.org/drawingml/2006/table">
@@ -3964,7 +3828,7 @@
                 <a:tableStyleId>{638B1855-1B75-4FBE-930C-398BA8C253C6}</a:tableStyleId>
               </a:tblPr>
               <a:tblGrid>
-                <a:gridCol w="1753888">
+                <a:gridCol w="1825824">
                   <a:extLst>
                     <a:ext uri="{9D8B030D-6E8A-4147-A177-3AD203B41FA5}">
                       <a16:colId xmlns:a16="http://schemas.microsoft.com/office/drawing/2014/main" val="4240773277"/>
@@ -3972,21 +3836,21 @@
                   </a:extLst>
                 </a:gridCol>
               </a:tblGrid>
-              <a:tr h="409055">
+              <a:tr h="417888">
                 <a:tc>
                   <a:txBody>
                     <a:bodyPr/>
                     <a:lstStyle/>
                     <a:p>
                       <a:r>
-                        <a:rPr lang="en-SG" sz="2000" u="sng" dirty="0" smtClean="0"/>
-                        <a:t>:</a:t>
+                        <a:rPr lang="en-SG" u="sng" smtClean="0"/>
+                        <a:t>ab2:A</a:t>
                       </a:r>
                       <a:r>
-                        <a:rPr lang="en-SG" sz="2000" u="sng" dirty="0" smtClean="0"/>
-                        <a:t>AddressBook2</a:t>
+                        <a:rPr lang="en-SG" sz="1800" u="sng" smtClean="0"/>
+                        <a:t>ddressBook</a:t>
                       </a:r>
-                      <a:endParaRPr lang="en-SG" sz="2000" u="sng" dirty="0"/>
+                      <a:endParaRPr lang="en-SG" sz="1600" u="sng" dirty="0"/>
                     </a:p>
                   </a:txBody>
                   <a:tcPr/>
@@ -4003,7 +3867,7 @@
       </p:graphicFrame>
       <p:graphicFrame>
         <p:nvGraphicFramePr>
-          <p:cNvPr id="27" name="Table 26">
+          <p:cNvPr id="17" name="Table 16">
             <a:extLst>
               <a:ext uri="{FF2B5EF4-FFF2-40B4-BE49-F238E27FC236}">
                 <a16:creationId xmlns:a16="http://schemas.microsoft.com/office/drawing/2014/main" id="{F545FAB8-F1CE-4886-9BDE-E772BCB0A9C4}"/>
@@ -4016,14 +3880,14 @@
           <p:nvPr>
             <p:extLst>
               <p:ext uri="{D42A27DB-BD31-4B8C-83A1-F6EECF244321}">
-                <p14:modId xmlns:p14="http://schemas.microsoft.com/office/powerpoint/2010/main" val="156116567"/>
+                <p14:modId xmlns:p14="http://schemas.microsoft.com/office/powerpoint/2010/main" val="4094059841"/>
               </p:ext>
             </p:extLst>
           </p:nvPr>
         </p:nvGraphicFramePr>
         <p:xfrm>
-          <a:off x="4581159" y="1489095"/>
-          <a:ext cx="1753888" cy="409055"/>
+          <a:off x="2491232" y="3908450"/>
+          <a:ext cx="1825824" cy="417888"/>
         </p:xfrm>
         <a:graphic>
           <a:graphicData uri="http://schemas.openxmlformats.org/drawingml/2006/table">
@@ -4032,7 +3896,7 @@
                 <a:tableStyleId>{638B1855-1B75-4FBE-930C-398BA8C253C6}</a:tableStyleId>
               </a:tblPr>
               <a:tblGrid>
-                <a:gridCol w="1753888">
+                <a:gridCol w="1825824">
                   <a:extLst>
                     <a:ext uri="{9D8B030D-6E8A-4147-A177-3AD203B41FA5}">
                       <a16:colId xmlns:a16="http://schemas.microsoft.com/office/drawing/2014/main" val="4240773277"/>
@@ -4040,21 +3904,89 @@
                   </a:extLst>
                 </a:gridCol>
               </a:tblGrid>
-              <a:tr h="409055">
+              <a:tr h="417888">
                 <a:tc>
                   <a:txBody>
                     <a:bodyPr/>
                     <a:lstStyle/>
                     <a:p>
                       <a:r>
-                        <a:rPr lang="en-SG" sz="2000" u="sng" dirty="0" smtClean="0"/>
-                        <a:t>:</a:t>
+                        <a:rPr lang="en-SG" u="sng" dirty="0" smtClean="0"/>
+                        <a:t>ab1:A</a:t>
                       </a:r>
                       <a:r>
-                        <a:rPr lang="en-SG" sz="2000" u="sng" dirty="0" smtClean="0"/>
-                        <a:t>AddressBook2</a:t>
+                        <a:rPr lang="en-SG" sz="1800" u="sng" dirty="0" smtClean="0"/>
+                        <a:t>ddressBook</a:t>
                       </a:r>
-                      <a:endParaRPr lang="en-SG" sz="2000" u="sng" dirty="0"/>
+                      <a:endParaRPr lang="en-SG" sz="1600" u="sng" dirty="0"/>
+                    </a:p>
+                  </a:txBody>
+                  <a:tcPr/>
+                </a:tc>
+                <a:extLst>
+                  <a:ext uri="{0D108BD9-81ED-4DB2-BD59-A6C34878D82A}">
+                    <a16:rowId xmlns:a16="http://schemas.microsoft.com/office/drawing/2014/main" val="2194462629"/>
+                  </a:ext>
+                </a:extLst>
+              </a:tr>
+            </a:tbl>
+          </a:graphicData>
+        </a:graphic>
+      </p:graphicFrame>
+      <p:graphicFrame>
+        <p:nvGraphicFramePr>
+          <p:cNvPr id="18" name="Table 17">
+            <a:extLst>
+              <a:ext uri="{FF2B5EF4-FFF2-40B4-BE49-F238E27FC236}">
+                <a16:creationId xmlns:a16="http://schemas.microsoft.com/office/drawing/2014/main" id="{F545FAB8-F1CE-4886-9BDE-E772BCB0A9C4}"/>
+              </a:ext>
+            </a:extLst>
+          </p:cNvPr>
+          <p:cNvGraphicFramePr>
+            <a:graphicFrameLocks noGrp="1"/>
+          </p:cNvGraphicFramePr>
+          <p:nvPr>
+            <p:extLst>
+              <p:ext uri="{D42A27DB-BD31-4B8C-83A1-F6EECF244321}">
+                <p14:modId xmlns:p14="http://schemas.microsoft.com/office/powerpoint/2010/main" val="3467820198"/>
+              </p:ext>
+            </p:extLst>
+          </p:nvPr>
+        </p:nvGraphicFramePr>
+        <p:xfrm>
+          <a:off x="473240" y="3908450"/>
+          <a:ext cx="1825824" cy="417888"/>
+        </p:xfrm>
+        <a:graphic>
+          <a:graphicData uri="http://schemas.openxmlformats.org/drawingml/2006/table">
+            <a:tbl>
+              <a:tblPr>
+                <a:tableStyleId>{638B1855-1B75-4FBE-930C-398BA8C253C6}</a:tableStyleId>
+              </a:tblPr>
+              <a:tblGrid>
+                <a:gridCol w="1825824">
+                  <a:extLst>
+                    <a:ext uri="{9D8B030D-6E8A-4147-A177-3AD203B41FA5}">
+                      <a16:colId xmlns:a16="http://schemas.microsoft.com/office/drawing/2014/main" val="4240773277"/>
+                    </a:ext>
+                  </a:extLst>
+                </a:gridCol>
+              </a:tblGrid>
+              <a:tr h="417888">
+                <a:tc>
+                  <a:txBody>
+                    <a:bodyPr/>
+                    <a:lstStyle/>
+                    <a:p>
+                      <a:r>
+                        <a:rPr lang="en-SG" u="sng" dirty="0" smtClean="0"/>
+                        <a:t>ab0:A</a:t>
+                      </a:r>
+                      <a:r>
+                        <a:rPr lang="en-SG" sz="1800" u="sng" dirty="0" smtClean="0"/>
+                        <a:t>ddressBook</a:t>
+                      </a:r>
+                      <a:endParaRPr lang="en-SG" sz="1600" u="sng" dirty="0"/>
                     </a:p>
                   </a:txBody>
                   <a:tcPr/>

--- a/docs/diagrams/UndoRedoNewCommand2StateListDiagram.pptx
+++ b/docs/diagrams/UndoRedoNewCommand2StateListDiagram.pptx
@@ -112,10 +112,6 @@
 </p:presentation>
 </file>
 
-<file path=ppt/revisionInfo.xml><?xml version="1.0" encoding="utf-8"?>
-<p1510:revInfo xmlns:a="http://schemas.openxmlformats.org/drawingml/2006/main" xmlns:r="http://schemas.openxmlformats.org/officeDocument/2006/relationships" xmlns:p1510="http://schemas.microsoft.com/office/powerpoint/2015/10/main"/>
-</file>
-
 <file path=ppt/slideLayouts/slideLayout1.xml><?xml version="1.0" encoding="utf-8"?>
 <p:sldLayout xmlns:a="http://schemas.openxmlformats.org/drawingml/2006/main" xmlns:r="http://schemas.openxmlformats.org/officeDocument/2006/relationships" xmlns:p="http://schemas.openxmlformats.org/presentationml/2006/main" type="title" preserve="1">
   <p:cSld name="Title Slide">
@@ -265,7 +261,7 @@
           <a:p>
             <a:fld id="{03EC4E3E-8101-482F-A883-8B55DAFF7C07}" type="datetimeFigureOut">
               <a:rPr lang="en-SG" smtClean="0"/>
-              <a:t>6/7/2018</a:t>
+              <a:t>11/4/2019</a:t>
             </a:fld>
             <a:endParaRPr lang="en-SG"/>
           </a:p>
@@ -465,7 +461,7 @@
           <a:p>
             <a:fld id="{03EC4E3E-8101-482F-A883-8B55DAFF7C07}" type="datetimeFigureOut">
               <a:rPr lang="en-SG" smtClean="0"/>
-              <a:t>6/7/2018</a:t>
+              <a:t>11/4/2019</a:t>
             </a:fld>
             <a:endParaRPr lang="en-SG"/>
           </a:p>
@@ -675,7 +671,7 @@
           <a:p>
             <a:fld id="{03EC4E3E-8101-482F-A883-8B55DAFF7C07}" type="datetimeFigureOut">
               <a:rPr lang="en-SG" smtClean="0"/>
-              <a:t>6/7/2018</a:t>
+              <a:t>11/4/2019</a:t>
             </a:fld>
             <a:endParaRPr lang="en-SG"/>
           </a:p>
@@ -875,7 +871,7 @@
           <a:p>
             <a:fld id="{03EC4E3E-8101-482F-A883-8B55DAFF7C07}" type="datetimeFigureOut">
               <a:rPr lang="en-SG" smtClean="0"/>
-              <a:t>6/7/2018</a:t>
+              <a:t>11/4/2019</a:t>
             </a:fld>
             <a:endParaRPr lang="en-SG"/>
           </a:p>
@@ -1151,7 +1147,7 @@
           <a:p>
             <a:fld id="{03EC4E3E-8101-482F-A883-8B55DAFF7C07}" type="datetimeFigureOut">
               <a:rPr lang="en-SG" smtClean="0"/>
-              <a:t>6/7/2018</a:t>
+              <a:t>11/4/2019</a:t>
             </a:fld>
             <a:endParaRPr lang="en-SG"/>
           </a:p>
@@ -1419,7 +1415,7 @@
           <a:p>
             <a:fld id="{03EC4E3E-8101-482F-A883-8B55DAFF7C07}" type="datetimeFigureOut">
               <a:rPr lang="en-SG" smtClean="0"/>
-              <a:t>6/7/2018</a:t>
+              <a:t>11/4/2019</a:t>
             </a:fld>
             <a:endParaRPr lang="en-SG"/>
           </a:p>
@@ -1834,7 +1830,7 @@
           <a:p>
             <a:fld id="{03EC4E3E-8101-482F-A883-8B55DAFF7C07}" type="datetimeFigureOut">
               <a:rPr lang="en-SG" smtClean="0"/>
-              <a:t>6/7/2018</a:t>
+              <a:t>11/4/2019</a:t>
             </a:fld>
             <a:endParaRPr lang="en-SG"/>
           </a:p>
@@ -1976,7 +1972,7 @@
           <a:p>
             <a:fld id="{03EC4E3E-8101-482F-A883-8B55DAFF7C07}" type="datetimeFigureOut">
               <a:rPr lang="en-SG" smtClean="0"/>
-              <a:t>6/7/2018</a:t>
+              <a:t>11/4/2019</a:t>
             </a:fld>
             <a:endParaRPr lang="en-SG"/>
           </a:p>
@@ -2089,7 +2085,7 @@
           <a:p>
             <a:fld id="{03EC4E3E-8101-482F-A883-8B55DAFF7C07}" type="datetimeFigureOut">
               <a:rPr lang="en-SG" smtClean="0"/>
-              <a:t>6/7/2018</a:t>
+              <a:t>11/4/2019</a:t>
             </a:fld>
             <a:endParaRPr lang="en-SG"/>
           </a:p>
@@ -2402,7 +2398,7 @@
           <a:p>
             <a:fld id="{03EC4E3E-8101-482F-A883-8B55DAFF7C07}" type="datetimeFigureOut">
               <a:rPr lang="en-SG" smtClean="0"/>
-              <a:t>6/7/2018</a:t>
+              <a:t>11/4/2019</a:t>
             </a:fld>
             <a:endParaRPr lang="en-SG"/>
           </a:p>
@@ -2691,7 +2687,7 @@
           <a:p>
             <a:fld id="{03EC4E3E-8101-482F-A883-8B55DAFF7C07}" type="datetimeFigureOut">
               <a:rPr lang="en-SG" smtClean="0"/>
-              <a:t>6/7/2018</a:t>
+              <a:t>11/4/2019</a:t>
             </a:fld>
             <a:endParaRPr lang="en-SG"/>
           </a:p>
@@ -2934,7 +2930,7 @@
           <a:p>
             <a:fld id="{03EC4E3E-8101-482F-A883-8B55DAFF7C07}" type="datetimeFigureOut">
               <a:rPr lang="en-SG" smtClean="0"/>
-              <a:t>6/7/2018</a:t>
+              <a:t>11/4/2019</a:t>
             </a:fld>
             <a:endParaRPr lang="en-SG"/>
           </a:p>
@@ -3454,7 +3450,7 @@
           <p:nvPr>
             <p:extLst>
               <p:ext uri="{D42A27DB-BD31-4B8C-83A1-F6EECF244321}">
-                <p14:modId xmlns:p14="http://schemas.microsoft.com/office/powerpoint/2010/main" val="3571951523"/>
+                <p14:modId xmlns:p14="http://schemas.microsoft.com/office/powerpoint/2010/main" val="603828601"/>
               </p:ext>
             </p:extLst>
           </p:nvPr>
@@ -3484,13 +3480,10 @@
                     <a:bodyPr/>
                     <a:lstStyle/>
                     <a:p>
+                      <a:pPr algn="ctr"/>
                       <a:r>
                         <a:rPr lang="en-SG" u="sng" dirty="0"/>
-                        <a:t>ab0:A</a:t>
-                      </a:r>
-                      <a:r>
-                        <a:rPr lang="en-SG" sz="1800" u="sng" dirty="0"/>
-                        <a:t>ddressBook</a:t>
+                        <a:t>cl0:ContactList</a:t>
                       </a:r>
                       <a:endParaRPr lang="en-SG" sz="1600" u="sng" dirty="0"/>
                     </a:p>
@@ -3658,7 +3651,7 @@
           <p:nvPr>
             <p:extLst>
               <p:ext uri="{D42A27DB-BD31-4B8C-83A1-F6EECF244321}">
-                <p14:modId xmlns:p14="http://schemas.microsoft.com/office/powerpoint/2010/main" val="2341913009"/>
+                <p14:modId xmlns:p14="http://schemas.microsoft.com/office/powerpoint/2010/main" val="3149013295"/>
               </p:ext>
             </p:extLst>
           </p:nvPr>
@@ -3688,13 +3681,10 @@
                     <a:bodyPr/>
                     <a:lstStyle/>
                     <a:p>
+                      <a:pPr algn="ctr"/>
                       <a:r>
                         <a:rPr lang="en-SG" u="sng" dirty="0"/>
-                        <a:t>ab1:A</a:t>
-                      </a:r>
-                      <a:r>
-                        <a:rPr lang="en-SG" sz="1800" u="sng" dirty="0"/>
-                        <a:t>ddressBook</a:t>
+                        <a:t>cl1:ContactList</a:t>
                       </a:r>
                       <a:endParaRPr lang="en-SG" sz="1600" u="sng" dirty="0"/>
                     </a:p>
@@ -3726,7 +3716,7 @@
           <p:nvPr>
             <p:extLst>
               <p:ext uri="{D42A27DB-BD31-4B8C-83A1-F6EECF244321}">
-                <p14:modId xmlns:p14="http://schemas.microsoft.com/office/powerpoint/2010/main" val="2172716932"/>
+                <p14:modId xmlns:p14="http://schemas.microsoft.com/office/powerpoint/2010/main" val="1465771849"/>
               </p:ext>
             </p:extLst>
           </p:nvPr>
@@ -3756,13 +3746,10 @@
                     <a:bodyPr/>
                     <a:lstStyle/>
                     <a:p>
+                      <a:pPr algn="ctr"/>
                       <a:r>
-                        <a:rPr lang="en-SG" u="sng"/>
-                        <a:t>ab2:A</a:t>
-                      </a:r>
-                      <a:r>
-                        <a:rPr lang="en-SG" sz="1800" u="sng"/>
-                        <a:t>ddressBook</a:t>
+                        <a:rPr lang="en-SG" u="sng" dirty="0"/>
+                        <a:t>cl2:ContactList</a:t>
                       </a:r>
                       <a:endParaRPr lang="en-SG" sz="1600" u="sng" dirty="0"/>
                     </a:p>
@@ -3794,7 +3781,7 @@
           <p:nvPr>
             <p:extLst>
               <p:ext uri="{D42A27DB-BD31-4B8C-83A1-F6EECF244321}">
-                <p14:modId xmlns:p14="http://schemas.microsoft.com/office/powerpoint/2010/main" val="4094059841"/>
+                <p14:modId xmlns:p14="http://schemas.microsoft.com/office/powerpoint/2010/main" val="4009384632"/>
               </p:ext>
             </p:extLst>
           </p:nvPr>
@@ -3824,13 +3811,10 @@
                     <a:bodyPr/>
                     <a:lstStyle/>
                     <a:p>
+                      <a:pPr algn="ctr"/>
                       <a:r>
                         <a:rPr lang="en-SG" u="sng" dirty="0"/>
-                        <a:t>ab1:A</a:t>
-                      </a:r>
-                      <a:r>
-                        <a:rPr lang="en-SG" sz="1800" u="sng" dirty="0"/>
-                        <a:t>ddressBook</a:t>
+                        <a:t>cl1:ContactList</a:t>
                       </a:r>
                       <a:endParaRPr lang="en-SG" sz="1600" u="sng" dirty="0"/>
                     </a:p>
@@ -3862,7 +3846,7 @@
           <p:nvPr>
             <p:extLst>
               <p:ext uri="{D42A27DB-BD31-4B8C-83A1-F6EECF244321}">
-                <p14:modId xmlns:p14="http://schemas.microsoft.com/office/powerpoint/2010/main" val="3467820198"/>
+                <p14:modId xmlns:p14="http://schemas.microsoft.com/office/powerpoint/2010/main" val="2622640618"/>
               </p:ext>
             </p:extLst>
           </p:nvPr>
@@ -3892,13 +3876,10 @@
                     <a:bodyPr/>
                     <a:lstStyle/>
                     <a:p>
+                      <a:pPr algn="ctr"/>
                       <a:r>
                         <a:rPr lang="en-SG" u="sng" dirty="0"/>
-                        <a:t>ab0:A</a:t>
-                      </a:r>
-                      <a:r>
-                        <a:rPr lang="en-SG" sz="1800" u="sng" dirty="0"/>
-                        <a:t>ddressBook</a:t>
+                        <a:t>cl0:ContactList</a:t>
                       </a:r>
                       <a:endParaRPr lang="en-SG" sz="1600" u="sng" dirty="0"/>
                     </a:p>
